--- a/Topic B Programming Skills/B.3 Lesson - Python Control Basics.pptx
+++ b/Topic B Programming Skills/B.3 Lesson - Python Control Basics.pptx
@@ -258,7 +258,7 @@
           <a:p>
             <a:fld id="{033E5389-43CE-4475-8AC5-F7A03157C002}" type="datetimeFigureOut">
               <a:rPr lang="en-US" smtClean="0"/>
-              <a:t>9/19/2019</a:t>
+              <a:t>9/20/2019</a:t>
             </a:fld>
             <a:endParaRPr lang="en-US"/>
           </a:p>
@@ -428,7 +428,7 @@
           <a:p>
             <a:fld id="{033E5389-43CE-4475-8AC5-F7A03157C002}" type="datetimeFigureOut">
               <a:rPr lang="en-US" smtClean="0"/>
-              <a:t>9/19/2019</a:t>
+              <a:t>9/20/2019</a:t>
             </a:fld>
             <a:endParaRPr lang="en-US"/>
           </a:p>
@@ -608,7 +608,7 @@
           <a:p>
             <a:fld id="{033E5389-43CE-4475-8AC5-F7A03157C002}" type="datetimeFigureOut">
               <a:rPr lang="en-US" smtClean="0"/>
-              <a:t>9/19/2019</a:t>
+              <a:t>9/20/2019</a:t>
             </a:fld>
             <a:endParaRPr lang="en-US"/>
           </a:p>
@@ -778,7 +778,7 @@
           <a:p>
             <a:fld id="{033E5389-43CE-4475-8AC5-F7A03157C002}" type="datetimeFigureOut">
               <a:rPr lang="en-US" smtClean="0"/>
-              <a:t>9/19/2019</a:t>
+              <a:t>9/20/2019</a:t>
             </a:fld>
             <a:endParaRPr lang="en-US"/>
           </a:p>
@@ -1022,7 +1022,7 @@
           <a:p>
             <a:fld id="{033E5389-43CE-4475-8AC5-F7A03157C002}" type="datetimeFigureOut">
               <a:rPr lang="en-US" smtClean="0"/>
-              <a:t>9/19/2019</a:t>
+              <a:t>9/20/2019</a:t>
             </a:fld>
             <a:endParaRPr lang="en-US"/>
           </a:p>
@@ -1254,7 +1254,7 @@
           <a:p>
             <a:fld id="{033E5389-43CE-4475-8AC5-F7A03157C002}" type="datetimeFigureOut">
               <a:rPr lang="en-US" smtClean="0"/>
-              <a:t>9/19/2019</a:t>
+              <a:t>9/20/2019</a:t>
             </a:fld>
             <a:endParaRPr lang="en-US"/>
           </a:p>
@@ -1621,7 +1621,7 @@
           <a:p>
             <a:fld id="{033E5389-43CE-4475-8AC5-F7A03157C002}" type="datetimeFigureOut">
               <a:rPr lang="en-US" smtClean="0"/>
-              <a:t>9/19/2019</a:t>
+              <a:t>9/20/2019</a:t>
             </a:fld>
             <a:endParaRPr lang="en-US"/>
           </a:p>
@@ -1739,7 +1739,7 @@
           <a:p>
             <a:fld id="{033E5389-43CE-4475-8AC5-F7A03157C002}" type="datetimeFigureOut">
               <a:rPr lang="en-US" smtClean="0"/>
-              <a:t>9/19/2019</a:t>
+              <a:t>9/20/2019</a:t>
             </a:fld>
             <a:endParaRPr lang="en-US"/>
           </a:p>
@@ -1834,7 +1834,7 @@
           <a:p>
             <a:fld id="{033E5389-43CE-4475-8AC5-F7A03157C002}" type="datetimeFigureOut">
               <a:rPr lang="en-US" smtClean="0"/>
-              <a:t>9/19/2019</a:t>
+              <a:t>9/20/2019</a:t>
             </a:fld>
             <a:endParaRPr lang="en-US"/>
           </a:p>
@@ -2111,7 +2111,7 @@
           <a:p>
             <a:fld id="{033E5389-43CE-4475-8AC5-F7A03157C002}" type="datetimeFigureOut">
               <a:rPr lang="en-US" smtClean="0"/>
-              <a:t>9/19/2019</a:t>
+              <a:t>9/20/2019</a:t>
             </a:fld>
             <a:endParaRPr lang="en-US"/>
           </a:p>
@@ -2368,7 +2368,7 @@
           <a:p>
             <a:fld id="{033E5389-43CE-4475-8AC5-F7A03157C002}" type="datetimeFigureOut">
               <a:rPr lang="en-US" smtClean="0"/>
-              <a:t>9/19/2019</a:t>
+              <a:t>9/20/2019</a:t>
             </a:fld>
             <a:endParaRPr lang="en-US"/>
           </a:p>
@@ -2581,7 +2581,7 @@
           <a:p>
             <a:fld id="{033E5389-43CE-4475-8AC5-F7A03157C002}" type="datetimeFigureOut">
               <a:rPr lang="en-US" smtClean="0"/>
-              <a:t>9/19/2019</a:t>
+              <a:t>9/20/2019</a:t>
             </a:fld>
             <a:endParaRPr lang="en-US"/>
           </a:p>
@@ -3042,6 +3042,13 @@
   <p:clrMapOvr>
     <a:masterClrMapping/>
   </p:clrMapOvr>
+  <p:timing>
+    <p:tnLst>
+      <p:par>
+        <p:cTn id="1" dur="indefinite" restart="never" nodeType="tmRoot"/>
+      </p:par>
+    </p:tnLst>
+  </p:timing>
 </p:sld>
 </file>
 
@@ -3672,7 +3679,6 @@
               <a:rPr lang="en-CA" sz="1600" dirty="0" smtClean="0"/>
               <a:t>The sample program contains an error because the = (assignment) operator was used instead of == (is equal to)</a:t>
             </a:r>
-            <a:endParaRPr lang="en-CA" sz="1600" dirty="0" smtClean="0"/>
           </a:p>
           <a:p>
             <a:pPr lvl="1"/>
@@ -3717,7 +3723,6 @@
               <a:rPr lang="en-CA" sz="1600" dirty="0" smtClean="0"/>
               <a:t>Error not because of an undefined variable (Run Time)</a:t>
             </a:r>
-            <a:endParaRPr lang="en-CA" sz="1600" dirty="0" smtClean="0"/>
           </a:p>
           <a:p>
             <a:pPr lvl="1"/>
@@ -4877,6 +4882,13 @@
   <p:clrMapOvr>
     <a:masterClrMapping/>
   </p:clrMapOvr>
+  <p:timing>
+    <p:tnLst>
+      <p:par>
+        <p:cTn id="1" dur="indefinite" restart="never" nodeType="tmRoot"/>
+      </p:par>
+    </p:tnLst>
+  </p:timing>
 </p:sld>
 </file>
 
@@ -5391,6 +5403,13 @@
   <p:clrMapOvr>
     <a:masterClrMapping/>
   </p:clrMapOvr>
+  <p:timing>
+    <p:tnLst>
+      <p:par>
+        <p:cTn id="1" dur="indefinite" restart="never" nodeType="tmRoot"/>
+      </p:par>
+    </p:tnLst>
+  </p:timing>
 </p:sld>
 </file>
 
@@ -5948,6 +5967,13 @@
   <p:clrMapOvr>
     <a:masterClrMapping/>
   </p:clrMapOvr>
+  <p:timing>
+    <p:tnLst>
+      <p:par>
+        <p:cTn id="1" dur="indefinite" restart="never" nodeType="tmRoot"/>
+      </p:par>
+    </p:tnLst>
+  </p:timing>
 </p:sld>
 </file>
 
@@ -6152,6 +6178,13 @@
   <p:clrMapOvr>
     <a:masterClrMapping/>
   </p:clrMapOvr>
+  <p:timing>
+    <p:tnLst>
+      <p:par>
+        <p:cTn id="1" dur="indefinite" restart="never" nodeType="tmRoot"/>
+      </p:par>
+    </p:tnLst>
+  </p:timing>
 </p:sld>
 </file>
 
@@ -6346,7 +6379,7 @@
         <p:spPr>
           <a:xfrm>
             <a:off x="4910432" y="1825625"/>
-            <a:ext cx="4036233" cy="2308324"/>
+            <a:ext cx="4036233" cy="2954655"/>
           </a:xfrm>
           <a:prstGeom prst="rect">
             <a:avLst/>
@@ -6567,25 +6600,38 @@
               <a:t>print</a:t>
             </a:r>
             <a:r>
-              <a:rPr lang="en-CA" sz="1400" dirty="0">
+              <a:rPr lang="en-CA" sz="1400" dirty="0" smtClean="0">
                 <a:solidFill>
                   <a:srgbClr val="0070C0"/>
                 </a:solidFill>
                 <a:latin typeface="Arial" panose="020B0604020202020204" pitchFamily="34" charset="0"/>
                 <a:cs typeface="Arial" panose="020B0604020202020204" pitchFamily="34" charset="0"/>
               </a:rPr>
-              <a:t>("Let's start our lesson</a:t>
-            </a:r>
-            <a:r>
-              <a:rPr lang="en-CA" sz="1400" dirty="0" smtClean="0">
-                <a:solidFill>
-                  <a:srgbClr val="0070C0"/>
-                </a:solidFill>
-                <a:latin typeface="Arial" panose="020B0604020202020204" pitchFamily="34" charset="0"/>
-                <a:cs typeface="Arial" panose="020B0604020202020204" pitchFamily="34" charset="0"/>
-              </a:rPr>
-              <a:t>")</a:t>
-            </a:r>
+              <a:t>("Your computers are ok")</a:t>
+            </a:r>
+          </a:p>
+          <a:p>
+            <a:endParaRPr lang="en-CA" sz="1400" dirty="0">
+              <a:solidFill>
+                <a:srgbClr val="0070C0"/>
+              </a:solidFill>
+              <a:latin typeface="Arial" panose="020B0604020202020204" pitchFamily="34" charset="0"/>
+              <a:cs typeface="Arial" panose="020B0604020202020204" pitchFamily="34" charset="0"/>
+            </a:endParaRPr>
+          </a:p>
+          <a:p>
+            <a:r>
+              <a:rPr lang="en-US" sz="1400" dirty="0">
+                <a:solidFill>
+                  <a:srgbClr val="FF0000"/>
+                </a:solidFill>
+                <a:latin typeface="Arial" panose="020B0604020202020204" pitchFamily="34" charset="0"/>
+                <a:cs typeface="Arial" panose="020B0604020202020204" pitchFamily="34" charset="0"/>
+              </a:rPr>
+              <a:t>print("Let's start our lesson")</a:t>
+            </a:r>
+          </a:p>
+          <a:p>
             <a:endParaRPr lang="en-US" sz="1400" dirty="0" smtClean="0">
               <a:solidFill>
                 <a:srgbClr val="0070C0"/>
@@ -6621,8 +6667,8 @@
         </p:blipFill>
         <p:spPr>
           <a:xfrm>
-            <a:off x="5782234" y="4133949"/>
-            <a:ext cx="2164977" cy="2644642"/>
+            <a:off x="5782234" y="4429759"/>
+            <a:ext cx="2164977" cy="2348831"/>
           </a:xfrm>
           <a:prstGeom prst="rect">
             <a:avLst/>
@@ -6639,6 +6685,13 @@
   <p:clrMapOvr>
     <a:masterClrMapping/>
   </p:clrMapOvr>
+  <p:timing>
+    <p:tnLst>
+      <p:par>
+        <p:cTn id="1" dur="indefinite" restart="never" nodeType="tmRoot"/>
+      </p:par>
+    </p:tnLst>
+  </p:timing>
 </p:sld>
 </file>
 
@@ -7265,6 +7318,13 @@
   <p:clrMapOvr>
     <a:masterClrMapping/>
   </p:clrMapOvr>
+  <p:timing>
+    <p:tnLst>
+      <p:par>
+        <p:cTn id="1" dur="indefinite" restart="never" nodeType="tmRoot"/>
+      </p:par>
+    </p:tnLst>
+  </p:timing>
 </p:sld>
 </file>
 
@@ -7778,6 +7838,13 @@
   <p:clrMapOvr>
     <a:masterClrMapping/>
   </p:clrMapOvr>
+  <p:timing>
+    <p:tnLst>
+      <p:par>
+        <p:cTn id="1" dur="indefinite" restart="never" nodeType="tmRoot"/>
+      </p:par>
+    </p:tnLst>
+  </p:timing>
 </p:sld>
 </file>
 
@@ -7815,11 +7882,7 @@
           <a:p>
             <a:r>
               <a:rPr lang="en-CA" dirty="0" smtClean="0"/>
-              <a:t>Conditional </a:t>
-            </a:r>
-            <a:r>
-              <a:rPr lang="en-CA" dirty="0" smtClean="0"/>
-              <a:t>Loops</a:t>
+              <a:t>Conditional Loops</a:t>
             </a:r>
             <a:endParaRPr lang="en-US" dirty="0"/>
           </a:p>

--- a/Topic B Programming Skills/B.3 Lesson - Python Control Basics.pptx
+++ b/Topic B Programming Skills/B.3 Lesson - Python Control Basics.pptx
@@ -16,11 +16,14 @@
     <p:sldId id="262" r:id="rId10"/>
     <p:sldId id="274" r:id="rId11"/>
     <p:sldId id="275" r:id="rId12"/>
-    <p:sldId id="273" r:id="rId13"/>
-    <p:sldId id="265" r:id="rId14"/>
-    <p:sldId id="266" r:id="rId15"/>
-    <p:sldId id="263" r:id="rId16"/>
-    <p:sldId id="264" r:id="rId17"/>
+    <p:sldId id="276" r:id="rId13"/>
+    <p:sldId id="277" r:id="rId14"/>
+    <p:sldId id="278" r:id="rId15"/>
+    <p:sldId id="273" r:id="rId16"/>
+    <p:sldId id="265" r:id="rId17"/>
+    <p:sldId id="266" r:id="rId18"/>
+    <p:sldId id="263" r:id="rId19"/>
+    <p:sldId id="264" r:id="rId20"/>
   </p:sldIdLst>
   <p:sldSz cx="9144000" cy="6858000" type="screen4x3"/>
   <p:notesSz cx="6858000" cy="9144000"/>
@@ -258,7 +261,7 @@
           <a:p>
             <a:fld id="{033E5389-43CE-4475-8AC5-F7A03157C002}" type="datetimeFigureOut">
               <a:rPr lang="en-US" smtClean="0"/>
-              <a:t>9/20/2019</a:t>
+              <a:t>9/23/2019</a:t>
             </a:fld>
             <a:endParaRPr lang="en-US"/>
           </a:p>
@@ -428,7 +431,7 @@
           <a:p>
             <a:fld id="{033E5389-43CE-4475-8AC5-F7A03157C002}" type="datetimeFigureOut">
               <a:rPr lang="en-US" smtClean="0"/>
-              <a:t>9/20/2019</a:t>
+              <a:t>9/23/2019</a:t>
             </a:fld>
             <a:endParaRPr lang="en-US"/>
           </a:p>
@@ -608,7 +611,7 @@
           <a:p>
             <a:fld id="{033E5389-43CE-4475-8AC5-F7A03157C002}" type="datetimeFigureOut">
               <a:rPr lang="en-US" smtClean="0"/>
-              <a:t>9/20/2019</a:t>
+              <a:t>9/23/2019</a:t>
             </a:fld>
             <a:endParaRPr lang="en-US"/>
           </a:p>
@@ -778,7 +781,7 @@
           <a:p>
             <a:fld id="{033E5389-43CE-4475-8AC5-F7A03157C002}" type="datetimeFigureOut">
               <a:rPr lang="en-US" smtClean="0"/>
-              <a:t>9/20/2019</a:t>
+              <a:t>9/23/2019</a:t>
             </a:fld>
             <a:endParaRPr lang="en-US"/>
           </a:p>
@@ -1022,7 +1025,7 @@
           <a:p>
             <a:fld id="{033E5389-43CE-4475-8AC5-F7A03157C002}" type="datetimeFigureOut">
               <a:rPr lang="en-US" smtClean="0"/>
-              <a:t>9/20/2019</a:t>
+              <a:t>9/23/2019</a:t>
             </a:fld>
             <a:endParaRPr lang="en-US"/>
           </a:p>
@@ -1254,7 +1257,7 @@
           <a:p>
             <a:fld id="{033E5389-43CE-4475-8AC5-F7A03157C002}" type="datetimeFigureOut">
               <a:rPr lang="en-US" smtClean="0"/>
-              <a:t>9/20/2019</a:t>
+              <a:t>9/23/2019</a:t>
             </a:fld>
             <a:endParaRPr lang="en-US"/>
           </a:p>
@@ -1621,7 +1624,7 @@
           <a:p>
             <a:fld id="{033E5389-43CE-4475-8AC5-F7A03157C002}" type="datetimeFigureOut">
               <a:rPr lang="en-US" smtClean="0"/>
-              <a:t>9/20/2019</a:t>
+              <a:t>9/23/2019</a:t>
             </a:fld>
             <a:endParaRPr lang="en-US"/>
           </a:p>
@@ -1739,7 +1742,7 @@
           <a:p>
             <a:fld id="{033E5389-43CE-4475-8AC5-F7A03157C002}" type="datetimeFigureOut">
               <a:rPr lang="en-US" smtClean="0"/>
-              <a:t>9/20/2019</a:t>
+              <a:t>9/23/2019</a:t>
             </a:fld>
             <a:endParaRPr lang="en-US"/>
           </a:p>
@@ -1834,7 +1837,7 @@
           <a:p>
             <a:fld id="{033E5389-43CE-4475-8AC5-F7A03157C002}" type="datetimeFigureOut">
               <a:rPr lang="en-US" smtClean="0"/>
-              <a:t>9/20/2019</a:t>
+              <a:t>9/23/2019</a:t>
             </a:fld>
             <a:endParaRPr lang="en-US"/>
           </a:p>
@@ -2111,7 +2114,7 @@
           <a:p>
             <a:fld id="{033E5389-43CE-4475-8AC5-F7A03157C002}" type="datetimeFigureOut">
               <a:rPr lang="en-US" smtClean="0"/>
-              <a:t>9/20/2019</a:t>
+              <a:t>9/23/2019</a:t>
             </a:fld>
             <a:endParaRPr lang="en-US"/>
           </a:p>
@@ -2368,7 +2371,7 @@
           <a:p>
             <a:fld id="{033E5389-43CE-4475-8AC5-F7A03157C002}" type="datetimeFigureOut">
               <a:rPr lang="en-US" smtClean="0"/>
-              <a:t>9/20/2019</a:t>
+              <a:t>9/23/2019</a:t>
             </a:fld>
             <a:endParaRPr lang="en-US"/>
           </a:p>
@@ -2581,7 +2584,7 @@
           <a:p>
             <a:fld id="{033E5389-43CE-4475-8AC5-F7A03157C002}" type="datetimeFigureOut">
               <a:rPr lang="en-US" smtClean="0"/>
-              <a:t>9/20/2019</a:t>
+              <a:t>9/23/2019</a:t>
             </a:fld>
             <a:endParaRPr lang="en-US"/>
           </a:p>
@@ -4138,7 +4141,7 @@
           <a:p>
             <a:r>
               <a:rPr lang="en-CA" dirty="0" smtClean="0"/>
-              <a:t>End of Lesson B.3</a:t>
+              <a:t>Student Questions</a:t>
             </a:r>
             <a:endParaRPr lang="en-US" dirty="0"/>
           </a:p>
@@ -4159,14 +4162,18 @@
           <a:bodyPr/>
           <a:lstStyle/>
           <a:p>
-            <a:endParaRPr lang="en-US"/>
+            <a:r>
+              <a:rPr lang="en-CA" dirty="0" smtClean="0"/>
+              <a:t>Notes and Template Code</a:t>
+            </a:r>
+            <a:endParaRPr lang="en-US" dirty="0"/>
           </a:p>
         </p:txBody>
       </p:sp>
     </p:spTree>
     <p:extLst>
       <p:ext uri="{BB962C8B-B14F-4D97-AF65-F5344CB8AC3E}">
-        <p14:creationId xmlns:p14="http://schemas.microsoft.com/office/powerpoint/2010/main" val="2375883348"/>
+        <p14:creationId xmlns:p14="http://schemas.microsoft.com/office/powerpoint/2010/main" val="141571009"/>
       </p:ext>
     </p:extLst>
   </p:cSld>
@@ -4195,7 +4202,7 @@
       </p:grpSpPr>
       <p:sp>
         <p:nvSpPr>
-          <p:cNvPr id="2" name="Title 1"/>
+          <p:cNvPr id="4" name="Title 3"/>
           <p:cNvSpPr>
             <a:spLocks noGrp="1"/>
           </p:cNvSpPr>
@@ -4210,7 +4217,7 @@
           <a:p>
             <a:r>
               <a:rPr lang="en-CA" dirty="0" smtClean="0"/>
-              <a:t>Use Of Comments For Debugging</a:t>
+              <a:t>Generating A Random Number</a:t>
             </a:r>
             <a:endParaRPr lang="en-US" dirty="0"/>
           </a:p>
@@ -4218,7 +4225,7 @@
       </p:sp>
       <p:sp>
         <p:nvSpPr>
-          <p:cNvPr id="3" name="Content Placeholder 2"/>
+          <p:cNvPr id="5" name="Content Placeholder 4"/>
           <p:cNvSpPr>
             <a:spLocks noGrp="1"/>
           </p:cNvSpPr>
@@ -4231,14 +4238,131 @@
           <a:bodyPr/>
           <a:lstStyle/>
           <a:p>
-            <a:endParaRPr lang="en-US"/>
+            <a:pPr marL="0" indent="0">
+              <a:buNone/>
+            </a:pPr>
+            <a:r>
+              <a:rPr lang="en-US" sz="2000" dirty="0"/>
+              <a:t># This code generates a random number between 0 to 9</a:t>
+            </a:r>
+          </a:p>
+          <a:p>
+            <a:pPr marL="0" indent="0">
+              <a:buNone/>
+            </a:pPr>
+            <a:r>
+              <a:rPr lang="en-US" sz="2000" dirty="0"/>
+              <a:t># Stores the value of the random number in the variable "</a:t>
+            </a:r>
+            <a:r>
+              <a:rPr lang="en-US" sz="2000" dirty="0" err="1"/>
+              <a:t>targetNumber</a:t>
+            </a:r>
+            <a:r>
+              <a:rPr lang="en-US" sz="2000" dirty="0"/>
+              <a:t>"</a:t>
+            </a:r>
+          </a:p>
+          <a:p>
+            <a:pPr marL="0" indent="0">
+              <a:buNone/>
+            </a:pPr>
+            <a:r>
+              <a:rPr lang="en-US" sz="2000" dirty="0"/>
+              <a:t># Then prints out the result</a:t>
+            </a:r>
+          </a:p>
+          <a:p>
+            <a:pPr marL="0" indent="0">
+              <a:buNone/>
+            </a:pPr>
+            <a:r>
+              <a:rPr lang="en-US" sz="2000" dirty="0">
+                <a:solidFill>
+                  <a:srgbClr val="0070C0"/>
+                </a:solidFill>
+              </a:rPr>
+              <a:t>import random</a:t>
+            </a:r>
+          </a:p>
+          <a:p>
+            <a:pPr marL="0" indent="0">
+              <a:buNone/>
+            </a:pPr>
+            <a:r>
+              <a:rPr lang="en-US" sz="2000" dirty="0" err="1">
+                <a:solidFill>
+                  <a:srgbClr val="0070C0"/>
+                </a:solidFill>
+              </a:rPr>
+              <a:t>targetNumber</a:t>
+            </a:r>
+            <a:r>
+              <a:rPr lang="en-US" sz="2000" dirty="0">
+                <a:solidFill>
+                  <a:srgbClr val="0070C0"/>
+                </a:solidFill>
+              </a:rPr>
+              <a:t> = </a:t>
+            </a:r>
+            <a:r>
+              <a:rPr lang="en-US" sz="2000" dirty="0" err="1">
+                <a:solidFill>
+                  <a:srgbClr val="0070C0"/>
+                </a:solidFill>
+              </a:rPr>
+              <a:t>random.randint</a:t>
+            </a:r>
+            <a:r>
+              <a:rPr lang="en-US" sz="2000" dirty="0">
+                <a:solidFill>
+                  <a:srgbClr val="0070C0"/>
+                </a:solidFill>
+              </a:rPr>
+              <a:t>(0,9)</a:t>
+            </a:r>
+          </a:p>
+          <a:p>
+            <a:pPr marL="0" indent="0">
+              <a:buNone/>
+            </a:pPr>
+            <a:r>
+              <a:rPr lang="en-US" sz="2000" dirty="0">
+                <a:solidFill>
+                  <a:srgbClr val="0070C0"/>
+                </a:solidFill>
+              </a:rPr>
+              <a:t>print("The random number %d is the target." % </a:t>
+            </a:r>
+            <a:r>
+              <a:rPr lang="en-US" sz="2000" dirty="0" err="1">
+                <a:solidFill>
+                  <a:srgbClr val="0070C0"/>
+                </a:solidFill>
+              </a:rPr>
+              <a:t>targetNumber</a:t>
+            </a:r>
+            <a:r>
+              <a:rPr lang="en-US" sz="2000" dirty="0">
+                <a:solidFill>
+                  <a:srgbClr val="0070C0"/>
+                </a:solidFill>
+              </a:rPr>
+              <a:t>)</a:t>
+            </a:r>
+          </a:p>
+          <a:p>
+            <a:pPr marL="0" indent="0">
+              <a:buNone/>
+            </a:pPr>
+            <a:endParaRPr lang="en-US" dirty="0"/>
           </a:p>
         </p:txBody>
       </p:sp>
     </p:spTree>
     <p:extLst>
       <p:ext uri="{BB962C8B-B14F-4D97-AF65-F5344CB8AC3E}">
-        <p14:creationId xmlns:p14="http://schemas.microsoft.com/office/powerpoint/2010/main" val="1307072331"/>
+        <p14:creationId xmlns:p14="http://schemas.microsoft.com/office/powerpoint/2010/main" val="2950073095"/>
       </p:ext>
     </p:extLst>
   </p:cSld>
@@ -4277,40 +4401,135 @@
         </p:nvSpPr>
         <p:spPr/>
         <p:txBody>
-          <a:bodyPr/>
-          <a:lstStyle/>
-          <a:p>
+          <a:bodyPr>
+            <a:normAutofit/>
+          </a:bodyPr>
+          <a:lstStyle/>
+          <a:p>
+            <a:r>
+              <a:rPr lang="en-CA" sz="4000" dirty="0" smtClean="0"/>
+              <a:t>Student Questions – Guessing Game</a:t>
+            </a:r>
+            <a:endParaRPr lang="en-US" sz="4000" dirty="0"/>
+          </a:p>
+        </p:txBody>
+      </p:sp>
+      <p:sp>
+        <p:nvSpPr>
+          <p:cNvPr id="3" name="Content Placeholder 2"/>
+          <p:cNvSpPr>
+            <a:spLocks noGrp="1"/>
+          </p:cNvSpPr>
+          <p:nvPr>
+            <p:ph idx="1"/>
+          </p:nvPr>
+        </p:nvSpPr>
+        <p:spPr/>
+        <p:txBody>
+          <a:bodyPr>
+            <a:normAutofit lnSpcReduction="10000"/>
+          </a:bodyPr>
+          <a:lstStyle/>
+          <a:p>
+            <a:pPr marL="0" indent="0">
+              <a:buNone/>
+            </a:pPr>
             <a:r>
               <a:rPr lang="en-CA" dirty="0" smtClean="0"/>
-              <a:t>Use Of Print For Debugging</a:t>
-            </a:r>
+              <a:t>Create a game to guess a random number</a:t>
+            </a:r>
+          </a:p>
+          <a:p>
+            <a:pPr marL="0" indent="0">
+              <a:buNone/>
+            </a:pPr>
+            <a:r>
+              <a:rPr lang="en-CA" dirty="0"/>
+              <a:t>	</a:t>
+            </a:r>
+            <a:endParaRPr lang="en-CA" dirty="0" smtClean="0"/>
+          </a:p>
+          <a:p>
+            <a:pPr marL="514350" indent="-514350">
+              <a:buFont typeface="+mj-lt"/>
+              <a:buAutoNum type="arabicPeriod"/>
+            </a:pPr>
+            <a:r>
+              <a:rPr lang="en-CA" dirty="0" smtClean="0"/>
+              <a:t>Basic Game</a:t>
+            </a:r>
+          </a:p>
+          <a:p>
+            <a:pPr lvl="1"/>
+            <a:r>
+              <a:rPr lang="en-CA" dirty="0" smtClean="0"/>
+              <a:t>Guess the number </a:t>
+            </a:r>
+          </a:p>
+          <a:p>
+            <a:pPr lvl="1"/>
+            <a:endParaRPr lang="en-CA" dirty="0" smtClean="0"/>
+          </a:p>
+          <a:p>
+            <a:pPr marL="514350" indent="-514350">
+              <a:buFont typeface="+mj-lt"/>
+              <a:buAutoNum type="arabicPeriod"/>
+            </a:pPr>
+            <a:r>
+              <a:rPr lang="en-CA" dirty="0" smtClean="0"/>
+              <a:t>Medium Game</a:t>
+            </a:r>
+          </a:p>
+          <a:p>
+            <a:pPr lvl="1"/>
+            <a:r>
+              <a:rPr lang="en-CA" dirty="0" smtClean="0"/>
+              <a:t>Guess the number with clues</a:t>
+            </a:r>
+          </a:p>
+          <a:p>
+            <a:pPr lvl="1"/>
+            <a:endParaRPr lang="en-CA" dirty="0" smtClean="0"/>
+          </a:p>
+          <a:p>
+            <a:pPr marL="514350" indent="-514350">
+              <a:buFont typeface="+mj-lt"/>
+              <a:buAutoNum type="arabicPeriod"/>
+            </a:pPr>
+            <a:r>
+              <a:rPr lang="en-CA" dirty="0" smtClean="0"/>
+              <a:t>Enhanced Game</a:t>
+            </a:r>
+          </a:p>
+          <a:p>
+            <a:pPr marL="971550" lvl="2" indent="-514350">
+              <a:spcBef>
+                <a:spcPts val="1000"/>
+              </a:spcBef>
+            </a:pPr>
+            <a:r>
+              <a:rPr lang="en-CA" sz="2400" dirty="0"/>
+              <a:t>Guess the number with </a:t>
+            </a:r>
+            <a:r>
+              <a:rPr lang="en-CA" sz="2400" dirty="0" smtClean="0"/>
+              <a:t>clues and Looping</a:t>
+            </a:r>
+            <a:endParaRPr lang="en-CA" sz="2400" dirty="0"/>
+          </a:p>
+          <a:p>
+            <a:pPr marL="514350" indent="-514350">
+              <a:buFont typeface="+mj-lt"/>
+              <a:buAutoNum type="arabicPeriod"/>
+            </a:pPr>
             <a:endParaRPr lang="en-US" dirty="0"/>
-          </a:p>
-        </p:txBody>
-      </p:sp>
-      <p:sp>
-        <p:nvSpPr>
-          <p:cNvPr id="3" name="Content Placeholder 2"/>
-          <p:cNvSpPr>
-            <a:spLocks noGrp="1"/>
-          </p:cNvSpPr>
-          <p:nvPr>
-            <p:ph idx="1"/>
-          </p:nvPr>
-        </p:nvSpPr>
-        <p:spPr/>
-        <p:txBody>
-          <a:bodyPr/>
-          <a:lstStyle/>
-          <a:p>
-            <a:endParaRPr lang="en-US"/>
           </a:p>
         </p:txBody>
       </p:sp>
     </p:spTree>
     <p:extLst>
       <p:ext uri="{BB962C8B-B14F-4D97-AF65-F5344CB8AC3E}">
-        <p14:creationId xmlns:p14="http://schemas.microsoft.com/office/powerpoint/2010/main" val="2969170581"/>
+        <p14:creationId xmlns:p14="http://schemas.microsoft.com/office/powerpoint/2010/main" val="3640000423"/>
       </p:ext>
     </p:extLst>
   </p:cSld>
@@ -4339,6 +4558,222 @@
       </p:grpSpPr>
       <p:sp>
         <p:nvSpPr>
+          <p:cNvPr id="4" name="Title 3"/>
+          <p:cNvSpPr>
+            <a:spLocks noGrp="1"/>
+          </p:cNvSpPr>
+          <p:nvPr>
+            <p:ph type="title"/>
+          </p:nvPr>
+        </p:nvSpPr>
+        <p:spPr/>
+        <p:txBody>
+          <a:bodyPr/>
+          <a:lstStyle/>
+          <a:p>
+            <a:r>
+              <a:rPr lang="en-CA" dirty="0" smtClean="0"/>
+              <a:t>End of Lesson B.3</a:t>
+            </a:r>
+            <a:endParaRPr lang="en-US" dirty="0"/>
+          </a:p>
+        </p:txBody>
+      </p:sp>
+      <p:sp>
+        <p:nvSpPr>
+          <p:cNvPr id="5" name="Text Placeholder 4"/>
+          <p:cNvSpPr>
+            <a:spLocks noGrp="1"/>
+          </p:cNvSpPr>
+          <p:nvPr>
+            <p:ph type="body" idx="1"/>
+          </p:nvPr>
+        </p:nvSpPr>
+        <p:spPr/>
+        <p:txBody>
+          <a:bodyPr/>
+          <a:lstStyle/>
+          <a:p>
+            <a:endParaRPr lang="en-US"/>
+          </a:p>
+        </p:txBody>
+      </p:sp>
+    </p:spTree>
+    <p:extLst>
+      <p:ext uri="{BB962C8B-B14F-4D97-AF65-F5344CB8AC3E}">
+        <p14:creationId xmlns:p14="http://schemas.microsoft.com/office/powerpoint/2010/main" val="2375883348"/>
+      </p:ext>
+    </p:extLst>
+  </p:cSld>
+  <p:clrMapOvr>
+    <a:masterClrMapping/>
+  </p:clrMapOvr>
+</p:sld>
+</file>
+
+<file path=ppt/slides/slide16.xml><?xml version="1.0" encoding="utf-8"?>
+<p:sld xmlns:a="http://schemas.openxmlformats.org/drawingml/2006/main" xmlns:r="http://schemas.openxmlformats.org/officeDocument/2006/relationships" xmlns:p="http://schemas.openxmlformats.org/presentationml/2006/main">
+  <p:cSld>
+    <p:spTree>
+      <p:nvGrpSpPr>
+        <p:cNvPr id="1" name=""/>
+        <p:cNvGrpSpPr/>
+        <p:nvPr/>
+      </p:nvGrpSpPr>
+      <p:grpSpPr>
+        <a:xfrm>
+          <a:off x="0" y="0"/>
+          <a:ext cx="0" cy="0"/>
+          <a:chOff x="0" y="0"/>
+          <a:chExt cx="0" cy="0"/>
+        </a:xfrm>
+      </p:grpSpPr>
+      <p:sp>
+        <p:nvSpPr>
+          <p:cNvPr id="2" name="Title 1"/>
+          <p:cNvSpPr>
+            <a:spLocks noGrp="1"/>
+          </p:cNvSpPr>
+          <p:nvPr>
+            <p:ph type="title"/>
+          </p:nvPr>
+        </p:nvSpPr>
+        <p:spPr/>
+        <p:txBody>
+          <a:bodyPr/>
+          <a:lstStyle/>
+          <a:p>
+            <a:r>
+              <a:rPr lang="en-CA" dirty="0" smtClean="0"/>
+              <a:t>Use Of Comments For Debugging</a:t>
+            </a:r>
+            <a:endParaRPr lang="en-US" dirty="0"/>
+          </a:p>
+        </p:txBody>
+      </p:sp>
+      <p:sp>
+        <p:nvSpPr>
+          <p:cNvPr id="3" name="Content Placeholder 2"/>
+          <p:cNvSpPr>
+            <a:spLocks noGrp="1"/>
+          </p:cNvSpPr>
+          <p:nvPr>
+            <p:ph idx="1"/>
+          </p:nvPr>
+        </p:nvSpPr>
+        <p:spPr/>
+        <p:txBody>
+          <a:bodyPr/>
+          <a:lstStyle/>
+          <a:p>
+            <a:endParaRPr lang="en-US"/>
+          </a:p>
+        </p:txBody>
+      </p:sp>
+    </p:spTree>
+    <p:extLst>
+      <p:ext uri="{BB962C8B-B14F-4D97-AF65-F5344CB8AC3E}">
+        <p14:creationId xmlns:p14="http://schemas.microsoft.com/office/powerpoint/2010/main" val="1307072331"/>
+      </p:ext>
+    </p:extLst>
+  </p:cSld>
+  <p:clrMapOvr>
+    <a:masterClrMapping/>
+  </p:clrMapOvr>
+</p:sld>
+</file>
+
+<file path=ppt/slides/slide17.xml><?xml version="1.0" encoding="utf-8"?>
+<p:sld xmlns:a="http://schemas.openxmlformats.org/drawingml/2006/main" xmlns:r="http://schemas.openxmlformats.org/officeDocument/2006/relationships" xmlns:p="http://schemas.openxmlformats.org/presentationml/2006/main">
+  <p:cSld>
+    <p:spTree>
+      <p:nvGrpSpPr>
+        <p:cNvPr id="1" name=""/>
+        <p:cNvGrpSpPr/>
+        <p:nvPr/>
+      </p:nvGrpSpPr>
+      <p:grpSpPr>
+        <a:xfrm>
+          <a:off x="0" y="0"/>
+          <a:ext cx="0" cy="0"/>
+          <a:chOff x="0" y="0"/>
+          <a:chExt cx="0" cy="0"/>
+        </a:xfrm>
+      </p:grpSpPr>
+      <p:sp>
+        <p:nvSpPr>
+          <p:cNvPr id="2" name="Title 1"/>
+          <p:cNvSpPr>
+            <a:spLocks noGrp="1"/>
+          </p:cNvSpPr>
+          <p:nvPr>
+            <p:ph type="title"/>
+          </p:nvPr>
+        </p:nvSpPr>
+        <p:spPr/>
+        <p:txBody>
+          <a:bodyPr/>
+          <a:lstStyle/>
+          <a:p>
+            <a:r>
+              <a:rPr lang="en-CA" dirty="0" smtClean="0"/>
+              <a:t>Use Of Print For Debugging</a:t>
+            </a:r>
+            <a:endParaRPr lang="en-US" dirty="0"/>
+          </a:p>
+        </p:txBody>
+      </p:sp>
+      <p:sp>
+        <p:nvSpPr>
+          <p:cNvPr id="3" name="Content Placeholder 2"/>
+          <p:cNvSpPr>
+            <a:spLocks noGrp="1"/>
+          </p:cNvSpPr>
+          <p:nvPr>
+            <p:ph idx="1"/>
+          </p:nvPr>
+        </p:nvSpPr>
+        <p:spPr/>
+        <p:txBody>
+          <a:bodyPr/>
+          <a:lstStyle/>
+          <a:p>
+            <a:endParaRPr lang="en-US"/>
+          </a:p>
+        </p:txBody>
+      </p:sp>
+    </p:spTree>
+    <p:extLst>
+      <p:ext uri="{BB962C8B-B14F-4D97-AF65-F5344CB8AC3E}">
+        <p14:creationId xmlns:p14="http://schemas.microsoft.com/office/powerpoint/2010/main" val="2969170581"/>
+      </p:ext>
+    </p:extLst>
+  </p:cSld>
+  <p:clrMapOvr>
+    <a:masterClrMapping/>
+  </p:clrMapOvr>
+</p:sld>
+</file>
+
+<file path=ppt/slides/slide18.xml><?xml version="1.0" encoding="utf-8"?>
+<p:sld xmlns:a="http://schemas.openxmlformats.org/drawingml/2006/main" xmlns:r="http://schemas.openxmlformats.org/officeDocument/2006/relationships" xmlns:p="http://schemas.openxmlformats.org/presentationml/2006/main">
+  <p:cSld>
+    <p:spTree>
+      <p:nvGrpSpPr>
+        <p:cNvPr id="1" name=""/>
+        <p:cNvGrpSpPr/>
+        <p:nvPr/>
+      </p:nvGrpSpPr>
+      <p:grpSpPr>
+        <a:xfrm>
+          <a:off x="0" y="0"/>
+          <a:ext cx="0" cy="0"/>
+          <a:chOff x="0" y="0"/>
+          <a:chExt cx="0" cy="0"/>
+        </a:xfrm>
+      </p:grpSpPr>
+      <p:sp>
+        <p:nvSpPr>
           <p:cNvPr id="2" name="Title 1"/>
           <p:cNvSpPr>
             <a:spLocks noGrp="1"/>
@@ -4392,7 +4827,7 @@
 </p:sld>
 </file>
 
-<file path=ppt/slides/slide16.xml><?xml version="1.0" encoding="utf-8"?>
+<file path=ppt/slides/slide19.xml><?xml version="1.0" encoding="utf-8"?>
 <p:sld xmlns:a="http://schemas.openxmlformats.org/drawingml/2006/main" xmlns:r="http://schemas.openxmlformats.org/officeDocument/2006/relationships" xmlns:p="http://schemas.openxmlformats.org/presentationml/2006/main">
   <p:cSld>
     <p:spTree>
@@ -6597,17 +7032,7 @@
                 <a:latin typeface="Arial" panose="020B0604020202020204" pitchFamily="34" charset="0"/>
                 <a:cs typeface="Arial" panose="020B0604020202020204" pitchFamily="34" charset="0"/>
               </a:rPr>
-              <a:t>print</a:t>
-            </a:r>
-            <a:r>
-              <a:rPr lang="en-CA" sz="1400" dirty="0" smtClean="0">
-                <a:solidFill>
-                  <a:srgbClr val="0070C0"/>
-                </a:solidFill>
-                <a:latin typeface="Arial" panose="020B0604020202020204" pitchFamily="34" charset="0"/>
-                <a:cs typeface="Arial" panose="020B0604020202020204" pitchFamily="34" charset="0"/>
-              </a:rPr>
-              <a:t>("Your computers are ok")</a:t>
+              <a:t>print("Your computers are ok")</a:t>
             </a:r>
           </a:p>
           <a:p>

--- a/Topic B Programming Skills/B.3 Lesson - Python Control Basics.pptx
+++ b/Topic B Programming Skills/B.3 Lesson - Python Control Basics.pptx
@@ -3586,6 +3586,13 @@
   <p:clrMapOvr>
     <a:masterClrMapping/>
   </p:clrMapOvr>
+  <p:timing>
+    <p:tnLst>
+      <p:par>
+        <p:cTn id="1" dur="indefinite" restart="never" nodeType="tmRoot"/>
+      </p:par>
+    </p:tnLst>
+  </p:timing>
 </p:sld>
 </file>
 
@@ -3680,8 +3687,36 @@
             <a:pPr lvl="1"/>
             <a:r>
               <a:rPr lang="en-CA" sz="1600" dirty="0" smtClean="0"/>
-              <a:t>The sample program contains an error because the = (assignment) operator was used instead of == (is equal to)</a:t>
-            </a:r>
+              <a:t>The sample program contains an error </a:t>
+            </a:r>
+            <a:r>
+              <a:rPr lang="en-CA" sz="1600" dirty="0" smtClean="0"/>
+              <a:t>in the loop condition. </a:t>
+            </a:r>
+          </a:p>
+          <a:p>
+            <a:pPr lvl="2"/>
+            <a:r>
+              <a:rPr lang="en-CA" sz="1200" dirty="0" smtClean="0"/>
+              <a:t>(Variable </a:t>
+            </a:r>
+            <a:r>
+              <a:rPr lang="en-CA" sz="1200" dirty="0" err="1" smtClean="0"/>
+              <a:t>startCount</a:t>
+            </a:r>
+            <a:r>
+              <a:rPr lang="en-CA" sz="1200" dirty="0" smtClean="0"/>
+              <a:t> is used instead of </a:t>
+            </a:r>
+            <a:r>
+              <a:rPr lang="en-CA" sz="1200" dirty="0" err="1" smtClean="0"/>
+              <a:t>CurrentCount</a:t>
+            </a:r>
+            <a:r>
+              <a:rPr lang="en-CA" sz="1200" dirty="0" smtClean="0"/>
+              <a:t>)</a:t>
+            </a:r>
+            <a:endParaRPr lang="en-CA" sz="1200" dirty="0" smtClean="0"/>
           </a:p>
           <a:p>
             <a:pPr lvl="1"/>
@@ -3731,11 +3766,7 @@
             <a:pPr lvl="1"/>
             <a:r>
               <a:rPr lang="en-CA" sz="1600" dirty="0" smtClean="0"/>
-              <a:t>Error due to poor thinking or design of </a:t>
-            </a:r>
-            <a:r>
-              <a:rPr lang="en-CA" sz="1600" smtClean="0"/>
-              <a:t>your computer code</a:t>
+              <a:t>Error due to poor thinking or design of your computer code</a:t>
             </a:r>
             <a:endParaRPr lang="en-US" sz="1600" dirty="0"/>
           </a:p>
@@ -3927,18 +3958,26 @@
                   <a:srgbClr val="FF0000"/>
                 </a:solidFill>
               </a:rPr>
-              <a:t>while (</a:t>
-            </a:r>
-            <a:r>
-              <a:rPr lang="en-US" sz="1400" dirty="0" err="1">
+              <a:t>while </a:t>
+            </a:r>
+            <a:r>
+              <a:rPr lang="en-US" sz="1400" dirty="0" smtClean="0">
+                <a:solidFill>
+                  <a:srgbClr val="FF0000"/>
+                </a:solidFill>
+              </a:rPr>
+              <a:t>(</a:t>
+            </a:r>
+            <a:r>
+              <a:rPr lang="en-US" sz="1400" dirty="0" err="1" smtClean="0">
                 <a:solidFill>
                   <a:srgbClr val="0070C0"/>
                 </a:solidFill>
               </a:rPr>
-              <a:t>currentCount</a:t>
-            </a:r>
-            <a:r>
-              <a:rPr lang="en-US" sz="1400" dirty="0">
+              <a:t>startCount</a:t>
+            </a:r>
+            <a:r>
+              <a:rPr lang="en-US" sz="1400" dirty="0" smtClean="0">
                 <a:solidFill>
                   <a:srgbClr val="0070C0"/>
                 </a:solidFill>
@@ -3951,7 +3990,7 @@
                   <a:srgbClr val="0070C0"/>
                 </a:solidFill>
               </a:rPr>
-              <a:t>= </a:t>
+              <a:t>&gt;= </a:t>
             </a:r>
             <a:r>
               <a:rPr lang="en-US" sz="1400" dirty="0">
@@ -4104,6 +4143,13 @@
   <p:clrMapOvr>
     <a:masterClrMapping/>
   </p:clrMapOvr>
+  <p:timing>
+    <p:tnLst>
+      <p:par>
+        <p:cTn id="1" dur="indefinite" restart="never" nodeType="tmRoot"/>
+      </p:par>
+    </p:tnLst>
+  </p:timing>
 </p:sld>
 </file>
 
@@ -4180,6 +4226,13 @@
   <p:clrMapOvr>
     <a:masterClrMapping/>
   </p:clrMapOvr>
+  <p:timing>
+    <p:tnLst>
+      <p:par>
+        <p:cTn id="1" dur="indefinite" restart="never" nodeType="tmRoot"/>
+      </p:par>
+    </p:tnLst>
+  </p:timing>
 </p:sld>
 </file>
 
@@ -8432,6 +8485,13 @@
   <p:clrMapOvr>
     <a:masterClrMapping/>
   </p:clrMapOvr>
+  <p:timing>
+    <p:tnLst>
+      <p:par>
+        <p:cTn id="1" dur="indefinite" restart="never" nodeType="tmRoot"/>
+      </p:par>
+    </p:tnLst>
+  </p:timing>
 </p:sld>
 </file>
 
